--- a/PPT/HappyPythonDay.pptx
+++ b/PPT/HappyPythonDay.pptx
@@ -2988,7 +2988,7 @@
           <a:lstStyle/>
           <a:p>
             <a:r>
-              <a:rPr lang="en-US" altLang="zh-TW" smtClean="0"/>
+              <a:rPr lang="en-US" altLang="zh-TW" dirty="0" err="1" smtClean="0"/>
               <a:t>HappyPythonDay</a:t>
             </a:r>
             <a:endParaRPr lang="zh-TW" altLang="en-US" dirty="0"/>
